--- a/powerpoint files/Session2.pptx
+++ b/powerpoint files/Session2.pptx
@@ -138,14 +138,6 @@
 </p:presentation>
 </file>
 
-<file path=ppt/revisionInfo.xml><?xml version="1.0" encoding="utf-8"?>
-<p1510:revInfo xmlns:a="http://schemas.openxmlformats.org/drawingml/2006/main" xmlns:r="http://schemas.openxmlformats.org/officeDocument/2006/relationships" xmlns:p1510="http://schemas.microsoft.com/office/powerpoint/2015/10/main">
-  <p1510:revLst>
-    <p1510:client id="{56280898-E8C8-454B-AAB7-BBADE1ACE9D6}" v="1" dt="2024-04-22T19:31:05.241"/>
-  </p1510:revLst>
-</p1510:revInfo>
-</file>
-
 <file path=ppt/changesInfos/changesInfo1.xml><?xml version="1.0" encoding="utf-8"?>
 <pc:chgInfo xmlns:a="http://schemas.openxmlformats.org/drawingml/2006/main" xmlns:r="http://schemas.openxmlformats.org/officeDocument/2006/relationships" xmlns:ac="http://schemas.microsoft.com/office/drawing/2013/main/command" xmlns:pc="http://schemas.microsoft.com/office/powerpoint/2013/main/command">
   <pc:docChgLst>
@@ -206,6 +198,53 @@
             <pc:docMk/>
             <pc:sldMk cId="0" sldId="263"/>
             <ac:spMk id="198" creationId="{00000000-0000-0000-0000-000000000000}"/>
+          </ac:spMkLst>
+        </pc:spChg>
+      </pc:sldChg>
+    </pc:docChg>
+  </pc:docChgLst>
+  <pc:docChgLst>
+    <pc:chgData name="Srinivasa Rao" userId="a6b54366-f13d-4292-8bb4-f06c50909b1e" providerId="ADAL" clId="{AEAA4573-D9CB-484B-88BF-ACFA375AA54E}"/>
+    <pc:docChg chg="modSld">
+      <pc:chgData name="Srinivasa Rao" userId="a6b54366-f13d-4292-8bb4-f06c50909b1e" providerId="ADAL" clId="{AEAA4573-D9CB-484B-88BF-ACFA375AA54E}" dt="2024-11-11T09:06:24.987" v="7" actId="20577"/>
+      <pc:docMkLst>
+        <pc:docMk/>
+      </pc:docMkLst>
+      <pc:sldChg chg="modSp mod">
+        <pc:chgData name="Srinivasa Rao" userId="a6b54366-f13d-4292-8bb4-f06c50909b1e" providerId="ADAL" clId="{AEAA4573-D9CB-484B-88BF-ACFA375AA54E}" dt="2024-11-11T09:06:15.765" v="1"/>
+        <pc:sldMkLst>
+          <pc:docMk/>
+          <pc:sldMk cId="0" sldId="256"/>
+        </pc:sldMkLst>
+        <pc:spChg chg="mod">
+          <ac:chgData name="Srinivasa Rao" userId="a6b54366-f13d-4292-8bb4-f06c50909b1e" providerId="ADAL" clId="{AEAA4573-D9CB-484B-88BF-ACFA375AA54E}" dt="2024-11-11T09:06:15.765" v="1"/>
+          <ac:spMkLst>
+            <pc:docMk/>
+            <pc:sldMk cId="0" sldId="256"/>
+            <ac:spMk id="153" creationId="{00000000-0000-0000-0000-000000000000}"/>
+          </ac:spMkLst>
+        </pc:spChg>
+      </pc:sldChg>
+      <pc:sldChg chg="modSp mod">
+        <pc:chgData name="Srinivasa Rao" userId="a6b54366-f13d-4292-8bb4-f06c50909b1e" providerId="ADAL" clId="{AEAA4573-D9CB-484B-88BF-ACFA375AA54E}" dt="2024-11-11T09:06:24.987" v="7" actId="20577"/>
+        <pc:sldMkLst>
+          <pc:docMk/>
+          <pc:sldMk cId="0" sldId="279"/>
+        </pc:sldMkLst>
+        <pc:spChg chg="mod">
+          <ac:chgData name="Srinivasa Rao" userId="a6b54366-f13d-4292-8bb4-f06c50909b1e" providerId="ADAL" clId="{AEAA4573-D9CB-484B-88BF-ACFA375AA54E}" dt="2024-11-11T09:06:24.987" v="7" actId="20577"/>
+          <ac:spMkLst>
+            <pc:docMk/>
+            <pc:sldMk cId="0" sldId="279"/>
+            <ac:spMk id="228" creationId="{00000000-0000-0000-0000-000000000000}"/>
+          </ac:spMkLst>
+        </pc:spChg>
+        <pc:spChg chg="mod">
+          <ac:chgData name="Srinivasa Rao" userId="a6b54366-f13d-4292-8bb4-f06c50909b1e" providerId="ADAL" clId="{AEAA4573-D9CB-484B-88BF-ACFA375AA54E}" dt="2024-11-11T09:06:11.269" v="0"/>
+          <ac:spMkLst>
+            <pc:docMk/>
+            <pc:sldMk cId="0" sldId="279"/>
+            <ac:spMk id="229" creationId="{00000000-0000-0000-0000-000000000000}"/>
           </ac:spMkLst>
         </pc:spChg>
       </pc:sldChg>
@@ -8657,7 +8696,15 @@
             </a:br>
             <a:r>
               <a:rPr lang="en-GB" dirty="0"/>
-              <a:t>We’ll start at 10:00am, please ask if you have any issues with installation of R and RStudio</a:t>
+              <a:t>We’ll start </a:t>
+            </a:r>
+            <a:r>
+              <a:rPr lang="en-GB"/>
+              <a:t>at 13:30, </a:t>
+            </a:r>
+            <a:r>
+              <a:rPr lang="en-GB" dirty="0"/>
+              <a:t>please ask if you have any issues with installation of R and RStudio</a:t>
             </a:r>
             <a:endParaRPr lang="en-GB" sz="4400" b="0" strike="noStrike" spc="-1" dirty="0">
               <a:latin typeface="Arial"/>
@@ -8747,7 +8794,7 @@
                 <a:latin typeface="Calibri"/>
                 <a:ea typeface="DejaVu Sans"/>
               </a:rPr>
-              <a:t>Trinity 2024</a:t>
+              <a:t>Michaelmas 2024</a:t>
             </a:r>
             <a:endParaRPr lang="en-GB" sz="3200" b="0" strike="noStrike" spc="-1" dirty="0">
               <a:latin typeface="Arial"/>
@@ -12567,34 +12614,14 @@
               </a:tabLst>
             </a:pPr>
             <a:r>
-              <a:rPr lang="en-US" sz="3200" spc="-1">
+              <a:rPr lang="en-US" sz="3200" b="0" strike="noStrike" spc="-1" dirty="0">
                 <a:solidFill>
                   <a:srgbClr val="8B8B8B"/>
                 </a:solidFill>
                 <a:latin typeface="Calibri"/>
                 <a:ea typeface="DejaVu Sans"/>
               </a:rPr>
-              <a:t>Trinity</a:t>
-            </a:r>
-            <a:r>
-              <a:rPr lang="en-US" sz="3200" b="0" strike="noStrike" spc="-1">
-                <a:solidFill>
-                  <a:srgbClr val="8B8B8B"/>
-                </a:solidFill>
-                <a:latin typeface="Calibri"/>
-                <a:ea typeface="DejaVu Sans"/>
-              </a:rPr>
-              <a:t> </a:t>
-            </a:r>
-            <a:r>
-              <a:rPr lang="en-US" sz="3200" b="0" strike="noStrike" spc="-1" dirty="0">
-                <a:solidFill>
-                  <a:srgbClr val="8B8B8B"/>
-                </a:solidFill>
-                <a:latin typeface="Calibri"/>
-                <a:ea typeface="DejaVu Sans"/>
-              </a:rPr>
-              <a:t>2024</a:t>
+              <a:t>Michaelmas 2024</a:t>
             </a:r>
             <a:endParaRPr lang="en-GB" sz="3200" b="0" strike="noStrike" spc="-1" dirty="0">
               <a:latin typeface="Arial"/>
